--- a/Подоплелов Андрей Владимирович/Презентация.pptx
+++ b/Подоплелов Андрей Владимирович/Презентация.pptx
@@ -10,7 +10,7 @@
     <p:sldId id="257" r:id="rId4"/>
     <p:sldId id="258" r:id="rId5"/>
     <p:sldId id="267" r:id="rId6"/>
-    <p:sldId id="270" r:id="rId7"/>
+    <p:sldId id="272" r:id="rId7"/>
     <p:sldId id="260" r:id="rId8"/>
     <p:sldId id="261" r:id="rId9"/>
     <p:sldId id="262" r:id="rId10"/>
@@ -3724,14 +3724,7 @@
                 <a:effectLst/>
                 <a:latin typeface="+mn-lt"/>
               </a:rPr>
-              <a:t>  </a:t>
-            </a:r>
-            <a:r>
-              <a:rPr lang="ru-RU" sz="2400" b="0" dirty="0" smtClean="0">
-                <a:effectLst/>
-                <a:latin typeface="+mn-lt"/>
-              </a:rPr>
-              <a:t>Денис Олегович</a:t>
+              <a:t>  Денис Олегович</a:t>
             </a:r>
             <a:br>
               <a:rPr lang="ru-RU" sz="2400" b="0" dirty="0" smtClean="0">
@@ -4129,10 +4122,10 @@
           <a:lstStyle/>
           <a:p>
             <a:r>
-              <a:rPr lang="ru-RU" sz="3200" dirty="0" smtClean="0"/>
+              <a:rPr lang="ru-RU" sz="4400" dirty="0" smtClean="0"/>
               <a:t>Перспективы развития</a:t>
             </a:r>
-            <a:endParaRPr lang="ru-RU" sz="3200" dirty="0"/>
+            <a:endParaRPr lang="ru-RU" sz="4400" dirty="0"/>
           </a:p>
         </p:txBody>
       </p:sp>
@@ -4153,8 +4146,21 @@
           <a:p>
             <a:r>
               <a:rPr lang="ru-RU" dirty="0" smtClean="0"/>
-              <a:t>Реализация диаграмм со статистикой заказов, по выручке … реализация модуля для вывода статистической информации</a:t>
-            </a:r>
+              <a:t>Р</a:t>
+            </a:r>
+            <a:r>
+              <a:rPr lang="ru-RU" dirty="0" smtClean="0"/>
+              <a:t>еализация </a:t>
+            </a:r>
+            <a:r>
+              <a:rPr lang="ru-RU" dirty="0" smtClean="0"/>
+              <a:t>модуля для вывода статистической </a:t>
+            </a:r>
+            <a:r>
+              <a:rPr lang="ru-RU" dirty="0" smtClean="0"/>
+              <a:t>информации (отчёты по выручке и т.д.)</a:t>
+            </a:r>
+            <a:endParaRPr lang="ru-RU" dirty="0" smtClean="0"/>
           </a:p>
           <a:p>
             <a:r>
@@ -4208,7 +4214,12 @@
             <p:ph type="title"/>
           </p:nvPr>
         </p:nvSpPr>
-        <p:spPr/>
+        <p:spPr>
+          <a:xfrm>
+            <a:off x="467544" y="188640"/>
+            <a:ext cx="7467600" cy="1143000"/>
+          </a:xfrm>
+        </p:spPr>
         <p:txBody>
           <a:bodyPr/>
           <a:lstStyle/>
@@ -4231,25 +4242,75 @@
             <p:ph idx="1"/>
           </p:nvPr>
         </p:nvSpPr>
-        <p:spPr/>
-        <p:txBody>
-          <a:bodyPr/>
+        <p:spPr>
+          <a:xfrm>
+            <a:off x="467544" y="1268760"/>
+            <a:ext cx="7704856" cy="4824536"/>
+          </a:xfrm>
+        </p:spPr>
+        <p:txBody>
+          <a:bodyPr>
+            <a:normAutofit fontScale="92500"/>
+          </a:bodyPr>
           <a:lstStyle/>
           <a:p>
             <a:r>
               <a:rPr lang="ru-RU" dirty="0" smtClean="0"/>
-              <a:t>Разработана структура Базы Данных</a:t>
-            </a:r>
-          </a:p>
-          <a:p>
+              <a:t>Разработана структура и создана База </a:t>
+            </a:r>
             <a:r>
               <a:rPr lang="ru-RU" dirty="0" smtClean="0"/>
-              <a:t>Реализована система на </a:t>
+              <a:t>Данных</a:t>
+            </a:r>
+          </a:p>
+          <a:p>
+            <a:r>
+              <a:rPr lang="ru-RU" dirty="0" smtClean="0"/>
+              <a:t>На основе анализа требований сотрудников швейной фирмы разработан пользовательский интерфейс.</a:t>
+            </a:r>
+            <a:endParaRPr lang="ru-RU" dirty="0" smtClean="0"/>
+          </a:p>
+          <a:p>
+            <a:r>
+              <a:rPr lang="ru-RU" dirty="0" smtClean="0"/>
+              <a:t>Реализована </a:t>
             </a:r>
             <a:r>
               <a:rPr lang="en-US" dirty="0" smtClean="0"/>
-              <a:t>PHP/HTML.</a:t>
-            </a:r>
+              <a:t>web-</a:t>
+            </a:r>
+            <a:r>
+              <a:rPr lang="ru-RU" dirty="0" smtClean="0"/>
+              <a:t>система </a:t>
+            </a:r>
+            <a:r>
+              <a:rPr lang="ru-RU" dirty="0" smtClean="0"/>
+              <a:t>на </a:t>
+            </a:r>
+            <a:r>
+              <a:rPr lang="en-US" dirty="0" smtClean="0"/>
+              <a:t>PHP/HTML</a:t>
+            </a:r>
+            <a:r>
+              <a:rPr lang="en-US" dirty="0" smtClean="0"/>
+              <a:t>.</a:t>
+            </a:r>
+          </a:p>
+          <a:p>
+            <a:r>
+              <a:rPr lang="ru-RU" dirty="0" smtClean="0"/>
+              <a:t>В перспективе предполагается возможность отслеживания заказов клиентами через Интернет.</a:t>
+            </a:r>
+            <a:endParaRPr lang="ru-RU" dirty="0" smtClean="0"/>
+          </a:p>
+          <a:p>
+            <a:endParaRPr lang="ru-RU" dirty="0" smtClean="0"/>
+          </a:p>
+          <a:p>
+            <a:endParaRPr lang="ru-RU" dirty="0"/>
+          </a:p>
+          <a:p>
+            <a:endParaRPr lang="en-US" dirty="0" smtClean="0"/>
           </a:p>
           <a:p>
             <a:endParaRPr lang="ru-RU" dirty="0"/>
@@ -5055,11 +5116,7 @@
           <a:p>
             <a:r>
               <a:rPr lang="ru-RU" sz="1600" dirty="0" smtClean="0"/>
-              <a:t>Прием </a:t>
-            </a:r>
-            <a:r>
-              <a:rPr lang="ru-RU" sz="1600" dirty="0" smtClean="0"/>
-              <a:t>заказов – это один из важнейших процессов на предприятиях, преимущественно занимающихся оказанием услуг или торговлей. Именно здесь зарождаются будущие отношения с клиентами, которые в перспективе приносят организации прибыль.</a:t>
+              <a:t>Прием заказов – это один из важнейших процессов на предприятиях, преимущественно занимающихся оказанием услуг или торговлей. Именно здесь зарождаются будущие отношения с клиентами, которые в перспективе приносят организации прибыль.</a:t>
             </a:r>
           </a:p>
           <a:p>
@@ -5099,13 +5156,8 @@
             <a:pPr lvl="1"/>
             <a:r>
               <a:rPr lang="ru-RU" sz="1200" dirty="0" smtClean="0"/>
-              <a:t>Контроль этапов жизненного цикла заказа (прием, обработка</a:t>
-            </a:r>
-            <a:r>
-              <a:rPr lang="ru-RU" sz="1200" dirty="0" smtClean="0"/>
-              <a:t>)</a:t>
-            </a:r>
-            <a:endParaRPr lang="ru-RU" sz="1200" dirty="0" smtClean="0"/>
+              <a:t>Контроль этапов жизненного цикла заказа (прием, обработка)</a:t>
+            </a:r>
           </a:p>
         </p:txBody>
       </p:sp>
@@ -5161,11 +5213,7 @@
             <a:pPr algn="ctr"/>
             <a:r>
               <a:rPr lang="ru-RU" dirty="0" smtClean="0"/>
-              <a:t>Выбор средств </a:t>
-            </a:r>
-            <a:r>
-              <a:rPr lang="ru-RU" dirty="0" smtClean="0"/>
-              <a:t>реализации</a:t>
+              <a:t>Выбор средств реализации</a:t>
             </a:r>
             <a:r>
               <a:rPr lang="en-US" dirty="0" smtClean="0"/>
@@ -5210,16 +5258,11 @@
               <a:rPr lang="en-US" dirty="0" smtClean="0"/>
               <a:t>:</a:t>
             </a:r>
-            <a:endParaRPr lang="en-US" dirty="0" smtClean="0"/>
           </a:p>
           <a:p>
             <a:r>
               <a:rPr lang="ru-RU" dirty="0" smtClean="0"/>
-              <a:t>Платформа </a:t>
-            </a:r>
-            <a:r>
-              <a:rPr lang="ru-RU" dirty="0" smtClean="0"/>
-              <a:t>1С: Предприятие 8; </a:t>
+              <a:t>Платформа 1С: Предприятие 8; </a:t>
             </a:r>
             <a:endParaRPr lang="en-US" dirty="0" smtClean="0"/>
           </a:p>
@@ -5252,16 +5295,11 @@
               <a:rPr lang="ru-RU" dirty="0" smtClean="0"/>
               <a:t>«+». Готовые формы.</a:t>
             </a:r>
-            <a:endParaRPr lang="ru-RU" dirty="0" smtClean="0"/>
           </a:p>
           <a:p>
             <a:r>
               <a:rPr lang="en-US" dirty="0" smtClean="0"/>
-              <a:t>PHP + </a:t>
-            </a:r>
-            <a:r>
-              <a:rPr lang="en-US" dirty="0" smtClean="0"/>
-              <a:t>MySQL</a:t>
+              <a:t>PHP + MySQL</a:t>
             </a:r>
           </a:p>
           <a:p>
@@ -5523,9 +5561,16 @@
             <p:ph idx="1"/>
           </p:nvPr>
         </p:nvSpPr>
-        <p:spPr/>
-        <p:txBody>
-          <a:bodyPr/>
+        <p:spPr>
+          <a:xfrm>
+            <a:off x="457200" y="1600200"/>
+            <a:ext cx="7931224" cy="4709120"/>
+          </a:xfrm>
+        </p:spPr>
+        <p:txBody>
+          <a:bodyPr>
+            <a:normAutofit fontScale="92500" lnSpcReduction="20000"/>
+          </a:bodyPr>
           <a:lstStyle/>
           <a:p>
             <a:r>
@@ -5536,20 +5581,11 @@
               <a:rPr lang="en-US" dirty="0" smtClean="0"/>
               <a:t>HTML</a:t>
             </a:r>
-            <a:endParaRPr lang="en-US" dirty="0" smtClean="0"/>
           </a:p>
           <a:p>
             <a:r>
               <a:rPr lang="ru-RU" dirty="0" smtClean="0"/>
-              <a:t>Для передачи данных </a:t>
-            </a:r>
-            <a:r>
-              <a:rPr lang="ru-RU" dirty="0" smtClean="0"/>
-              <a:t>на сервер из </a:t>
-            </a:r>
-            <a:r>
-              <a:rPr lang="ru-RU" dirty="0" smtClean="0"/>
-              <a:t>форм использовался метод </a:t>
+              <a:t>Для передачи данных на сервер из форм использовался метод </a:t>
             </a:r>
             <a:r>
               <a:rPr lang="en-US" dirty="0" smtClean="0"/>
@@ -5557,7 +5593,86 @@
             </a:r>
             <a:r>
               <a:rPr lang="ru-RU" dirty="0" smtClean="0"/>
-              <a:t>т.к. из существующих методов передачи данных - наиболее защищенный.</a:t>
+              <a:t>т.к. из существующих методов передачи данных - наиболее защищенный</a:t>
+            </a:r>
+            <a:r>
+              <a:rPr lang="ru-RU" dirty="0" smtClean="0"/>
+              <a:t>.</a:t>
+            </a:r>
+          </a:p>
+          <a:p>
+            <a:r>
+              <a:rPr lang="ru-RU" dirty="0" smtClean="0"/>
+              <a:t>Для хранения данных используется БД </a:t>
+            </a:r>
+            <a:r>
+              <a:rPr lang="en-US" dirty="0" smtClean="0"/>
+              <a:t>MySQL.</a:t>
+            </a:r>
+          </a:p>
+          <a:p>
+            <a:r>
+              <a:rPr lang="ru-RU" dirty="0" smtClean="0"/>
+              <a:t>Для разработки использова</a:t>
+            </a:r>
+            <a:r>
+              <a:rPr lang="ru-RU" dirty="0" smtClean="0"/>
+              <a:t>лись</a:t>
+            </a:r>
+            <a:r>
+              <a:rPr lang="en-US" dirty="0" smtClean="0"/>
+              <a:t>:</a:t>
+            </a:r>
+          </a:p>
+          <a:p>
+            <a:pPr lvl="1"/>
+            <a:r>
+              <a:rPr lang="en-US" dirty="0" err="1" smtClean="0"/>
+              <a:t>Denwer</a:t>
+            </a:r>
+            <a:r>
+              <a:rPr lang="ru-RU" dirty="0"/>
+              <a:t> </a:t>
+            </a:r>
+            <a:r>
+              <a:rPr lang="ru-RU" dirty="0" smtClean="0"/>
+              <a:t>– пакет с </a:t>
+            </a:r>
+            <a:r>
+              <a:rPr lang="en-US" dirty="0" smtClean="0"/>
+              <a:t>web-</a:t>
+            </a:r>
+            <a:r>
+              <a:rPr lang="ru-RU" dirty="0" smtClean="0"/>
+              <a:t>сервером, </a:t>
+            </a:r>
+            <a:r>
+              <a:rPr lang="en-US" dirty="0" smtClean="0"/>
+              <a:t>PHP</a:t>
+            </a:r>
+            <a:r>
+              <a:rPr lang="ru-RU" dirty="0" smtClean="0"/>
+              <a:t> и </a:t>
+            </a:r>
+            <a:r>
+              <a:rPr lang="en-US" dirty="0" smtClean="0"/>
+              <a:t>MySQL.</a:t>
+            </a:r>
+            <a:endParaRPr lang="en-US" dirty="0" smtClean="0"/>
+          </a:p>
+          <a:p>
+            <a:pPr lvl="1"/>
+            <a:r>
+              <a:rPr lang="en-US" dirty="0" err="1" smtClean="0"/>
+              <a:t>PhpMyAdmin</a:t>
+            </a:r>
+            <a:r>
+              <a:rPr lang="en-US" dirty="0" smtClean="0"/>
+              <a:t> – </a:t>
+            </a:r>
+            <a:r>
+              <a:rPr lang="ru-RU" dirty="0" smtClean="0"/>
+              <a:t>для создания и редактирования базы данных.</a:t>
             </a:r>
             <a:endParaRPr lang="ru-RU" dirty="0"/>
           </a:p>
@@ -5607,116 +5722,1023 @@
         </p:nvSpPr>
         <p:spPr/>
         <p:txBody>
+          <a:bodyPr/>
+          <a:lstStyle/>
+          <a:p>
+            <a:r>
+              <a:rPr lang="ru-RU" dirty="0" smtClean="0"/>
+              <a:t>Модули системы</a:t>
+            </a:r>
+            <a:endParaRPr lang="ru-RU" dirty="0"/>
+          </a:p>
+        </p:txBody>
+      </p:sp>
+      <p:pic>
+        <p:nvPicPr>
+          <p:cNvPr id="1026" name="Picture 2" descr="http://icons.iconarchive.com/icons/deleket/soft-scraps/256/Web-HTML-icon.png"/>
+          <p:cNvPicPr>
+            <a:picLocks noChangeAspect="1" noChangeArrowheads="1"/>
+          </p:cNvPicPr>
+          <p:nvPr/>
+        </p:nvPicPr>
+        <p:blipFill>
+          <a:blip r:embed="rId2">
+            <a:extLst>
+              <a:ext uri="{28A0092B-C50C-407E-A947-70E740481C1C}">
+                <a14:useLocalDpi xmlns:a14="http://schemas.microsoft.com/office/drawing/2010/main" val="0"/>
+              </a:ext>
+            </a:extLst>
+          </a:blip>
+          <a:srcRect/>
+          <a:stretch>
+            <a:fillRect/>
+          </a:stretch>
+        </p:blipFill>
+        <p:spPr bwMode="auto">
+          <a:xfrm>
+            <a:off x="955700" y="2592152"/>
+            <a:ext cx="1656184" cy="1656184"/>
+          </a:xfrm>
+          <a:prstGeom prst="rect">
+            <a:avLst/>
+          </a:prstGeom>
+          <a:noFill/>
+          <a:extLst>
+            <a:ext uri="{909E8E84-426E-40DD-AFC4-6F175D3DCCD1}">
+              <a14:hiddenFill xmlns:a14="http://schemas.microsoft.com/office/drawing/2010/main">
+                <a:solidFill>
+                  <a:srgbClr val="FFFFFF"/>
+                </a:solidFill>
+              </a14:hiddenFill>
+            </a:ext>
+          </a:extLst>
+        </p:spPr>
+      </p:pic>
+      <p:pic>
+        <p:nvPicPr>
+          <p:cNvPr id="1028" name="Picture 4" descr="http://sourceforce.ru/wp-content/uploads/2011/06/proektirovanie-baz-dannyx-chast-1-1.png"/>
+          <p:cNvPicPr>
+            <a:picLocks noChangeAspect="1" noChangeArrowheads="1"/>
+          </p:cNvPicPr>
+          <p:nvPr/>
+        </p:nvPicPr>
+        <p:blipFill>
+          <a:blip r:embed="rId3">
+            <a:extLst>
+              <a:ext uri="{28A0092B-C50C-407E-A947-70E740481C1C}">
+                <a14:useLocalDpi xmlns:a14="http://schemas.microsoft.com/office/drawing/2010/main" val="0"/>
+              </a:ext>
+            </a:extLst>
+          </a:blip>
+          <a:srcRect/>
+          <a:stretch>
+            <a:fillRect/>
+          </a:stretch>
+        </p:blipFill>
+        <p:spPr bwMode="auto">
+          <a:xfrm>
+            <a:off x="539552" y="4581128"/>
+            <a:ext cx="2016224" cy="2016224"/>
+          </a:xfrm>
+          <a:prstGeom prst="rect">
+            <a:avLst/>
+          </a:prstGeom>
+          <a:noFill/>
+          <a:extLst>
+            <a:ext uri="{909E8E84-426E-40DD-AFC4-6F175D3DCCD1}">
+              <a14:hiddenFill xmlns:a14="http://schemas.microsoft.com/office/drawing/2010/main">
+                <a:solidFill>
+                  <a:srgbClr val="FFFFFF"/>
+                </a:solidFill>
+              </a14:hiddenFill>
+            </a:ext>
+          </a:extLst>
+        </p:spPr>
+      </p:pic>
+      <p:sp>
+        <p:nvSpPr>
+          <p:cNvPr id="6" name="Содержимое 2"/>
+          <p:cNvSpPr>
+            <a:spLocks noGrp="1"/>
+          </p:cNvSpPr>
+          <p:nvPr>
+            <p:ph idx="1"/>
+          </p:nvPr>
+        </p:nvSpPr>
+        <p:spPr>
+          <a:xfrm>
+            <a:off x="2947516" y="5430924"/>
+            <a:ext cx="5256584" cy="1166428"/>
+          </a:xfrm>
+        </p:spPr>
+        <p:txBody>
           <a:bodyPr>
-            <a:normAutofit/>
+            <a:noAutofit/>
           </a:bodyPr>
           <a:lstStyle/>
           <a:p>
-            <a:r>
-              <a:rPr lang="ru-RU" dirty="0" smtClean="0"/>
-              <a:t>Состав программы</a:t>
-            </a:r>
-            <a:endParaRPr lang="ru-RU" dirty="0"/>
-          </a:p>
-        </p:txBody>
-      </p:sp>
-      <p:sp>
-        <p:nvSpPr>
-          <p:cNvPr id="3" name="Содержимое 2"/>
-          <p:cNvSpPr>
-            <a:spLocks noGrp="1"/>
-          </p:cNvSpPr>
-          <p:nvPr>
-            <p:ph idx="1"/>
-          </p:nvPr>
-        </p:nvSpPr>
-        <p:spPr/>
-        <p:txBody>
-          <a:bodyPr/>
-          <a:lstStyle/>
-          <a:p>
-            <a:r>
-              <a:rPr lang="en-US" dirty="0" err="1" smtClean="0"/>
-              <a:t>Index.php</a:t>
-            </a:r>
-            <a:r>
-              <a:rPr lang="ru-RU" dirty="0" smtClean="0"/>
-              <a:t> – оформление заказов (занесение заказов в БД)</a:t>
-            </a:r>
-            <a:endParaRPr lang="en-US" dirty="0" smtClean="0"/>
-          </a:p>
-          <a:p>
-            <a:r>
-              <a:rPr lang="en-US" dirty="0" err="1" smtClean="0"/>
+            <a:pPr marL="36576" indent="0">
+              <a:buNone/>
+            </a:pPr>
+            <a:r>
+              <a:rPr lang="ru-RU" sz="2400" dirty="0" smtClean="0"/>
+              <a:t>БД</a:t>
+            </a:r>
+            <a:r>
+              <a:rPr lang="ru-RU" sz="2400" dirty="0" smtClean="0"/>
+              <a:t> </a:t>
+            </a:r>
+            <a:r>
+              <a:rPr lang="en-US" sz="2400" dirty="0" smtClean="0"/>
+              <a:t>MySQL </a:t>
+            </a:r>
+            <a:r>
+              <a:rPr lang="ru-RU" sz="2400" dirty="0" smtClean="0"/>
+              <a:t>с данными обо всех заказах. </a:t>
+            </a:r>
+            <a:r>
+              <a:rPr lang="en-US" sz="2400" dirty="0" err="1"/>
+              <a:t>Data.sql</a:t>
+            </a:r>
+            <a:r>
+              <a:rPr lang="en-US" sz="2400" dirty="0"/>
+              <a:t> – </a:t>
+            </a:r>
+            <a:r>
+              <a:rPr lang="ru-RU" sz="2400" dirty="0"/>
+              <a:t>скрипт для создания </a:t>
+            </a:r>
+            <a:r>
+              <a:rPr lang="ru-RU" sz="2400" dirty="0" smtClean="0"/>
+              <a:t>БД</a:t>
+            </a:r>
+            <a:endParaRPr lang="ru-RU" sz="2400" dirty="0"/>
+          </a:p>
+        </p:txBody>
+      </p:sp>
+      <p:pic>
+        <p:nvPicPr>
+          <p:cNvPr id="7" name="Picture 2" descr="http://icons.iconarchive.com/icons/deleket/soft-scraps/256/Web-HTML-icon.png"/>
+          <p:cNvPicPr>
+            <a:picLocks noChangeAspect="1" noChangeArrowheads="1"/>
+          </p:cNvPicPr>
+          <p:nvPr/>
+        </p:nvPicPr>
+        <p:blipFill>
+          <a:blip r:embed="rId2">
+            <a:extLst>
+              <a:ext uri="{28A0092B-C50C-407E-A947-70E740481C1C}">
+                <a14:useLocalDpi xmlns:a14="http://schemas.microsoft.com/office/drawing/2010/main" val="0"/>
+              </a:ext>
+            </a:extLst>
+          </a:blip>
+          <a:srcRect/>
+          <a:stretch>
+            <a:fillRect/>
+          </a:stretch>
+        </p:blipFill>
+        <p:spPr bwMode="auto">
+          <a:xfrm>
+            <a:off x="3563888" y="2553432"/>
+            <a:ext cx="1656184" cy="1656184"/>
+          </a:xfrm>
+          <a:prstGeom prst="rect">
+            <a:avLst/>
+          </a:prstGeom>
+          <a:noFill/>
+          <a:extLst>
+            <a:ext uri="{909E8E84-426E-40DD-AFC4-6F175D3DCCD1}">
+              <a14:hiddenFill xmlns:a14="http://schemas.microsoft.com/office/drawing/2010/main">
+                <a:solidFill>
+                  <a:srgbClr val="FFFFFF"/>
+                </a:solidFill>
+              </a14:hiddenFill>
+            </a:ext>
+          </a:extLst>
+        </p:spPr>
+      </p:pic>
+      <p:pic>
+        <p:nvPicPr>
+          <p:cNvPr id="8" name="Picture 2" descr="http://icons.iconarchive.com/icons/deleket/soft-scraps/256/Web-HTML-icon.png"/>
+          <p:cNvPicPr>
+            <a:picLocks noChangeAspect="1" noChangeArrowheads="1"/>
+          </p:cNvPicPr>
+          <p:nvPr/>
+        </p:nvPicPr>
+        <p:blipFill>
+          <a:blip r:embed="rId2">
+            <a:extLst>
+              <a:ext uri="{28A0092B-C50C-407E-A947-70E740481C1C}">
+                <a14:useLocalDpi xmlns:a14="http://schemas.microsoft.com/office/drawing/2010/main" val="0"/>
+              </a:ext>
+            </a:extLst>
+          </a:blip>
+          <a:srcRect/>
+          <a:stretch>
+            <a:fillRect/>
+          </a:stretch>
+        </p:blipFill>
+        <p:spPr bwMode="auto">
+          <a:xfrm>
+            <a:off x="6500316" y="2553432"/>
+            <a:ext cx="1656184" cy="1656184"/>
+          </a:xfrm>
+          <a:prstGeom prst="rect">
+            <a:avLst/>
+          </a:prstGeom>
+          <a:noFill/>
+          <a:extLst>
+            <a:ext uri="{909E8E84-426E-40DD-AFC4-6F175D3DCCD1}">
+              <a14:hiddenFill xmlns:a14="http://schemas.microsoft.com/office/drawing/2010/main">
+                <a:solidFill>
+                  <a:srgbClr val="FFFFFF"/>
+                </a:solidFill>
+              </a14:hiddenFill>
+            </a:ext>
+          </a:extLst>
+        </p:spPr>
+      </p:pic>
+      <p:sp>
+        <p:nvSpPr>
+          <p:cNvPr id="9" name="Содержимое 2"/>
+          <p:cNvSpPr txBox="1">
+            <a:spLocks/>
+          </p:cNvSpPr>
+          <p:nvPr/>
+        </p:nvSpPr>
+        <p:spPr>
+          <a:xfrm>
+            <a:off x="6014262" y="1412776"/>
+            <a:ext cx="2628292" cy="1166428"/>
+          </a:xfrm>
+          <a:prstGeom prst="rect">
+            <a:avLst/>
+          </a:prstGeom>
+        </p:spPr>
+        <p:txBody>
+          <a:bodyPr vert="horz">
+            <a:noAutofit/>
+          </a:bodyPr>
+          <a:lstStyle>
+            <a:lvl1pPr marL="420624" indent="-384048" algn="l" rtl="0" eaLnBrk="1" latinLnBrk="0" hangingPunct="1">
+              <a:spcBef>
+                <a:spcPct val="20000"/>
+              </a:spcBef>
+              <a:buClr>
+                <a:schemeClr val="accent1"/>
+              </a:buClr>
+              <a:buSzPct val="80000"/>
+              <a:buFont typeface="Wingdings 2"/>
+              <a:buChar char=""/>
+              <a:defRPr kumimoji="0" sz="3000" kern="1200">
+                <a:solidFill>
+                  <a:schemeClr val="tx1"/>
+                </a:solidFill>
+                <a:latin typeface="+mn-lt"/>
+                <a:ea typeface="+mn-ea"/>
+                <a:cs typeface="+mn-cs"/>
+              </a:defRPr>
+            </a:lvl1pPr>
+            <a:lvl2pPr marL="722376" indent="-274320" algn="l" rtl="0" eaLnBrk="1" latinLnBrk="0" hangingPunct="1">
+              <a:spcBef>
+                <a:spcPct val="20000"/>
+              </a:spcBef>
+              <a:buClr>
+                <a:schemeClr val="accent1"/>
+              </a:buClr>
+              <a:buSzPct val="90000"/>
+              <a:buFont typeface="Wingdings 2"/>
+              <a:buChar char=""/>
+              <a:defRPr kumimoji="0" sz="2600" kern="1200">
+                <a:solidFill>
+                  <a:schemeClr val="tx1"/>
+                </a:solidFill>
+                <a:latin typeface="+mn-lt"/>
+                <a:ea typeface="+mn-ea"/>
+                <a:cs typeface="+mn-cs"/>
+              </a:defRPr>
+            </a:lvl2pPr>
+            <a:lvl3pPr marL="1005840" indent="-256032" algn="l" rtl="0" eaLnBrk="1" latinLnBrk="0" hangingPunct="1">
+              <a:spcBef>
+                <a:spcPct val="20000"/>
+              </a:spcBef>
+              <a:buClr>
+                <a:schemeClr val="accent2"/>
+              </a:buClr>
+              <a:buSzPct val="85000"/>
+              <a:buFont typeface="Arial"/>
+              <a:buChar char="○"/>
+              <a:defRPr kumimoji="0" sz="2400" kern="1200">
+                <a:solidFill>
+                  <a:schemeClr val="tx1"/>
+                </a:solidFill>
+                <a:latin typeface="+mn-lt"/>
+                <a:ea typeface="+mn-ea"/>
+                <a:cs typeface="+mn-cs"/>
+              </a:defRPr>
+            </a:lvl3pPr>
+            <a:lvl4pPr marL="1280160" indent="-237744" algn="l" rtl="0" eaLnBrk="1" latinLnBrk="0" hangingPunct="1">
+              <a:spcBef>
+                <a:spcPct val="20000"/>
+              </a:spcBef>
+              <a:buClr>
+                <a:schemeClr val="accent3"/>
+              </a:buClr>
+              <a:buSzPct val="90000"/>
+              <a:buFont typeface="Wingdings 2"/>
+              <a:buChar char=""/>
+              <a:defRPr kumimoji="0" sz="2000" kern="1200">
+                <a:solidFill>
+                  <a:schemeClr val="tx1"/>
+                </a:solidFill>
+                <a:latin typeface="+mn-lt"/>
+                <a:ea typeface="+mn-ea"/>
+                <a:cs typeface="+mn-cs"/>
+              </a:defRPr>
+            </a:lvl4pPr>
+            <a:lvl5pPr marL="1490472" indent="-182880" algn="l" rtl="0" eaLnBrk="1" latinLnBrk="0" hangingPunct="1">
+              <a:spcBef>
+                <a:spcPct val="20000"/>
+              </a:spcBef>
+              <a:buClr>
+                <a:schemeClr val="accent4"/>
+              </a:buClr>
+              <a:buSzPct val="100000"/>
+              <a:buFont typeface="Arial"/>
+              <a:buChar char="-"/>
+              <a:defRPr kumimoji="0" sz="2000" kern="1200">
+                <a:solidFill>
+                  <a:schemeClr val="tx1"/>
+                </a:solidFill>
+                <a:latin typeface="+mn-lt"/>
+                <a:ea typeface="+mn-ea"/>
+                <a:cs typeface="+mn-cs"/>
+              </a:defRPr>
+            </a:lvl5pPr>
+            <a:lvl6pPr marL="1700784" indent="-182880" algn="l" rtl="0" eaLnBrk="1" latinLnBrk="0" hangingPunct="1">
+              <a:spcBef>
+                <a:spcPct val="20000"/>
+              </a:spcBef>
+              <a:buClr>
+                <a:schemeClr val="accent5"/>
+              </a:buClr>
+              <a:buFont typeface="Arial"/>
+              <a:buChar char="-"/>
+              <a:defRPr kumimoji="0" sz="2000" kern="1200" baseline="0">
+                <a:solidFill>
+                  <a:schemeClr val="tx1"/>
+                </a:solidFill>
+                <a:latin typeface="+mn-lt"/>
+                <a:ea typeface="+mn-ea"/>
+                <a:cs typeface="+mn-cs"/>
+              </a:defRPr>
+            </a:lvl6pPr>
+            <a:lvl7pPr marL="1920240" indent="-182880" algn="l" rtl="0" eaLnBrk="1" latinLnBrk="0" hangingPunct="1">
+              <a:spcBef>
+                <a:spcPct val="20000"/>
+              </a:spcBef>
+              <a:buClr>
+                <a:schemeClr val="accent6"/>
+              </a:buClr>
+              <a:buSzPct val="100000"/>
+              <a:buFont typeface="Arial"/>
+              <a:buChar char="•"/>
+              <a:defRPr kumimoji="0" sz="1800" kern="1200" baseline="0">
+                <a:solidFill>
+                  <a:schemeClr val="tx1"/>
+                </a:solidFill>
+                <a:latin typeface="+mn-lt"/>
+                <a:ea typeface="+mn-ea"/>
+                <a:cs typeface="+mn-cs"/>
+              </a:defRPr>
+            </a:lvl7pPr>
+            <a:lvl8pPr marL="2139696" indent="-182880" algn="l" rtl="0" eaLnBrk="1" latinLnBrk="0" hangingPunct="1">
+              <a:spcBef>
+                <a:spcPct val="20000"/>
+              </a:spcBef>
+              <a:buClr>
+                <a:schemeClr val="accent6"/>
+              </a:buClr>
+              <a:buFont typeface="Arial"/>
+              <a:buChar char="▪"/>
+              <a:defRPr kumimoji="0" sz="1600" kern="1200">
+                <a:solidFill>
+                  <a:schemeClr val="tx1"/>
+                </a:solidFill>
+                <a:latin typeface="+mn-lt"/>
+                <a:ea typeface="+mn-ea"/>
+                <a:cs typeface="+mn-cs"/>
+              </a:defRPr>
+            </a:lvl8pPr>
+            <a:lvl9pPr marL="2331720" indent="-182880" algn="l" rtl="0" eaLnBrk="1" latinLnBrk="0" hangingPunct="1">
+              <a:spcBef>
+                <a:spcPct val="20000"/>
+              </a:spcBef>
+              <a:buClr>
+                <a:schemeClr val="accent6"/>
+              </a:buClr>
+              <a:buFont typeface="Arial"/>
+              <a:buChar char="•"/>
+              <a:defRPr kumimoji="0" sz="1600" kern="1200">
+                <a:solidFill>
+                  <a:schemeClr val="tx1"/>
+                </a:solidFill>
+                <a:latin typeface="+mn-lt"/>
+                <a:ea typeface="+mn-ea"/>
+                <a:cs typeface="+mn-cs"/>
+              </a:defRPr>
+            </a:lvl9pPr>
+          </a:lstStyle>
+          <a:p>
+            <a:pPr marL="36576" indent="0" algn="ctr">
+              <a:buNone/>
+            </a:pPr>
+            <a:r>
+              <a:rPr lang="en-US" sz="2400" dirty="0" err="1" smtClean="0"/>
+              <a:t>Search.php</a:t>
+            </a:r>
+            <a:r>
+              <a:rPr lang="en-US" sz="2400" dirty="0" smtClean="0"/>
+              <a:t> </a:t>
+            </a:r>
+            <a:r>
+              <a:rPr lang="ru-RU" sz="2400" dirty="0"/>
+              <a:t>поиск</a:t>
+            </a:r>
+            <a:r>
+              <a:rPr lang="en-US" sz="2400" dirty="0"/>
+              <a:t> </a:t>
+            </a:r>
+            <a:r>
+              <a:rPr lang="ru-RU" sz="2400" dirty="0" smtClean="0"/>
+              <a:t>заказов</a:t>
+            </a:r>
+            <a:endParaRPr lang="en-US" sz="2400" dirty="0" smtClean="0"/>
+          </a:p>
+          <a:p>
+            <a:pPr marL="36576" indent="0" algn="ctr">
+              <a:buFont typeface="Wingdings 2"/>
+              <a:buNone/>
+            </a:pPr>
+            <a:endParaRPr lang="ru-RU" sz="2400" dirty="0"/>
+          </a:p>
+        </p:txBody>
+      </p:sp>
+      <p:sp>
+        <p:nvSpPr>
+          <p:cNvPr id="10" name="Содержимое 2"/>
+          <p:cNvSpPr txBox="1">
+            <a:spLocks/>
+          </p:cNvSpPr>
+          <p:nvPr/>
+        </p:nvSpPr>
+        <p:spPr>
+          <a:xfrm>
+            <a:off x="2967980" y="1412776"/>
+            <a:ext cx="2628292" cy="1166428"/>
+          </a:xfrm>
+          <a:prstGeom prst="rect">
+            <a:avLst/>
+          </a:prstGeom>
+        </p:spPr>
+        <p:txBody>
+          <a:bodyPr vert="horz">
+            <a:noAutofit/>
+          </a:bodyPr>
+          <a:lstStyle>
+            <a:lvl1pPr marL="420624" indent="-384048" algn="l" rtl="0" eaLnBrk="1" latinLnBrk="0" hangingPunct="1">
+              <a:spcBef>
+                <a:spcPct val="20000"/>
+              </a:spcBef>
+              <a:buClr>
+                <a:schemeClr val="accent1"/>
+              </a:buClr>
+              <a:buSzPct val="80000"/>
+              <a:buFont typeface="Wingdings 2"/>
+              <a:buChar char=""/>
+              <a:defRPr kumimoji="0" sz="3000" kern="1200">
+                <a:solidFill>
+                  <a:schemeClr val="tx1"/>
+                </a:solidFill>
+                <a:latin typeface="+mn-lt"/>
+                <a:ea typeface="+mn-ea"/>
+                <a:cs typeface="+mn-cs"/>
+              </a:defRPr>
+            </a:lvl1pPr>
+            <a:lvl2pPr marL="722376" indent="-274320" algn="l" rtl="0" eaLnBrk="1" latinLnBrk="0" hangingPunct="1">
+              <a:spcBef>
+                <a:spcPct val="20000"/>
+              </a:spcBef>
+              <a:buClr>
+                <a:schemeClr val="accent1"/>
+              </a:buClr>
+              <a:buSzPct val="90000"/>
+              <a:buFont typeface="Wingdings 2"/>
+              <a:buChar char=""/>
+              <a:defRPr kumimoji="0" sz="2600" kern="1200">
+                <a:solidFill>
+                  <a:schemeClr val="tx1"/>
+                </a:solidFill>
+                <a:latin typeface="+mn-lt"/>
+                <a:ea typeface="+mn-ea"/>
+                <a:cs typeface="+mn-cs"/>
+              </a:defRPr>
+            </a:lvl2pPr>
+            <a:lvl3pPr marL="1005840" indent="-256032" algn="l" rtl="0" eaLnBrk="1" latinLnBrk="0" hangingPunct="1">
+              <a:spcBef>
+                <a:spcPct val="20000"/>
+              </a:spcBef>
+              <a:buClr>
+                <a:schemeClr val="accent2"/>
+              </a:buClr>
+              <a:buSzPct val="85000"/>
+              <a:buFont typeface="Arial"/>
+              <a:buChar char="○"/>
+              <a:defRPr kumimoji="0" sz="2400" kern="1200">
+                <a:solidFill>
+                  <a:schemeClr val="tx1"/>
+                </a:solidFill>
+                <a:latin typeface="+mn-lt"/>
+                <a:ea typeface="+mn-ea"/>
+                <a:cs typeface="+mn-cs"/>
+              </a:defRPr>
+            </a:lvl3pPr>
+            <a:lvl4pPr marL="1280160" indent="-237744" algn="l" rtl="0" eaLnBrk="1" latinLnBrk="0" hangingPunct="1">
+              <a:spcBef>
+                <a:spcPct val="20000"/>
+              </a:spcBef>
+              <a:buClr>
+                <a:schemeClr val="accent3"/>
+              </a:buClr>
+              <a:buSzPct val="90000"/>
+              <a:buFont typeface="Wingdings 2"/>
+              <a:buChar char=""/>
+              <a:defRPr kumimoji="0" sz="2000" kern="1200">
+                <a:solidFill>
+                  <a:schemeClr val="tx1"/>
+                </a:solidFill>
+                <a:latin typeface="+mn-lt"/>
+                <a:ea typeface="+mn-ea"/>
+                <a:cs typeface="+mn-cs"/>
+              </a:defRPr>
+            </a:lvl4pPr>
+            <a:lvl5pPr marL="1490472" indent="-182880" algn="l" rtl="0" eaLnBrk="1" latinLnBrk="0" hangingPunct="1">
+              <a:spcBef>
+                <a:spcPct val="20000"/>
+              </a:spcBef>
+              <a:buClr>
+                <a:schemeClr val="accent4"/>
+              </a:buClr>
+              <a:buSzPct val="100000"/>
+              <a:buFont typeface="Arial"/>
+              <a:buChar char="-"/>
+              <a:defRPr kumimoji="0" sz="2000" kern="1200">
+                <a:solidFill>
+                  <a:schemeClr val="tx1"/>
+                </a:solidFill>
+                <a:latin typeface="+mn-lt"/>
+                <a:ea typeface="+mn-ea"/>
+                <a:cs typeface="+mn-cs"/>
+              </a:defRPr>
+            </a:lvl5pPr>
+            <a:lvl6pPr marL="1700784" indent="-182880" algn="l" rtl="0" eaLnBrk="1" latinLnBrk="0" hangingPunct="1">
+              <a:spcBef>
+                <a:spcPct val="20000"/>
+              </a:spcBef>
+              <a:buClr>
+                <a:schemeClr val="accent5"/>
+              </a:buClr>
+              <a:buFont typeface="Arial"/>
+              <a:buChar char="-"/>
+              <a:defRPr kumimoji="0" sz="2000" kern="1200" baseline="0">
+                <a:solidFill>
+                  <a:schemeClr val="tx1"/>
+                </a:solidFill>
+                <a:latin typeface="+mn-lt"/>
+                <a:ea typeface="+mn-ea"/>
+                <a:cs typeface="+mn-cs"/>
+              </a:defRPr>
+            </a:lvl6pPr>
+            <a:lvl7pPr marL="1920240" indent="-182880" algn="l" rtl="0" eaLnBrk="1" latinLnBrk="0" hangingPunct="1">
+              <a:spcBef>
+                <a:spcPct val="20000"/>
+              </a:spcBef>
+              <a:buClr>
+                <a:schemeClr val="accent6"/>
+              </a:buClr>
+              <a:buSzPct val="100000"/>
+              <a:buFont typeface="Arial"/>
+              <a:buChar char="•"/>
+              <a:defRPr kumimoji="0" sz="1800" kern="1200" baseline="0">
+                <a:solidFill>
+                  <a:schemeClr val="tx1"/>
+                </a:solidFill>
+                <a:latin typeface="+mn-lt"/>
+                <a:ea typeface="+mn-ea"/>
+                <a:cs typeface="+mn-cs"/>
+              </a:defRPr>
+            </a:lvl7pPr>
+            <a:lvl8pPr marL="2139696" indent="-182880" algn="l" rtl="0" eaLnBrk="1" latinLnBrk="0" hangingPunct="1">
+              <a:spcBef>
+                <a:spcPct val="20000"/>
+              </a:spcBef>
+              <a:buClr>
+                <a:schemeClr val="accent6"/>
+              </a:buClr>
+              <a:buFont typeface="Arial"/>
+              <a:buChar char="▪"/>
+              <a:defRPr kumimoji="0" sz="1600" kern="1200">
+                <a:solidFill>
+                  <a:schemeClr val="tx1"/>
+                </a:solidFill>
+                <a:latin typeface="+mn-lt"/>
+                <a:ea typeface="+mn-ea"/>
+                <a:cs typeface="+mn-cs"/>
+              </a:defRPr>
+            </a:lvl8pPr>
+            <a:lvl9pPr marL="2331720" indent="-182880" algn="l" rtl="0" eaLnBrk="1" latinLnBrk="0" hangingPunct="1">
+              <a:spcBef>
+                <a:spcPct val="20000"/>
+              </a:spcBef>
+              <a:buClr>
+                <a:schemeClr val="accent6"/>
+              </a:buClr>
+              <a:buFont typeface="Arial"/>
+              <a:buChar char="•"/>
+              <a:defRPr kumimoji="0" sz="1600" kern="1200">
+                <a:solidFill>
+                  <a:schemeClr val="tx1"/>
+                </a:solidFill>
+                <a:latin typeface="+mn-lt"/>
+                <a:ea typeface="+mn-ea"/>
+                <a:cs typeface="+mn-cs"/>
+              </a:defRPr>
+            </a:lvl9pPr>
+          </a:lstStyle>
+          <a:p>
+            <a:pPr marL="36576" indent="0" algn="ctr">
+              <a:buNone/>
+            </a:pPr>
+            <a:r>
+              <a:rPr lang="en-US" sz="2400" dirty="0" err="1"/>
               <a:t>Orders.php</a:t>
             </a:r>
             <a:r>
-              <a:rPr lang="ru-RU" dirty="0" smtClean="0"/>
-              <a:t> – таблица невыполненных заказов</a:t>
-            </a:r>
-            <a:endParaRPr lang="en-US" dirty="0" smtClean="0"/>
-          </a:p>
-          <a:p>
-            <a:r>
-              <a:rPr lang="en-US" dirty="0" err="1" smtClean="0"/>
-              <a:t>Search.php</a:t>
-            </a:r>
-            <a:r>
-              <a:rPr lang="en-US" dirty="0" smtClean="0"/>
-              <a:t> – </a:t>
-            </a:r>
-            <a:r>
-              <a:rPr lang="ru-RU" dirty="0" smtClean="0"/>
-              <a:t>поиск</a:t>
-            </a:r>
-            <a:r>
-              <a:rPr lang="en-US" dirty="0" smtClean="0"/>
+              <a:rPr lang="ru-RU" sz="2400" dirty="0"/>
               <a:t> </a:t>
             </a:r>
             <a:r>
-              <a:rPr lang="ru-RU" dirty="0" smtClean="0"/>
-              <a:t>заказов</a:t>
-            </a:r>
-          </a:p>
-          <a:p>
-            <a:r>
-              <a:rPr lang="en-US" dirty="0" err="1" smtClean="0"/>
-              <a:t>Data.sql</a:t>
-            </a:r>
-            <a:r>
-              <a:rPr lang="en-US" dirty="0" smtClean="0"/>
-              <a:t> – </a:t>
-            </a:r>
-            <a:r>
-              <a:rPr lang="ru-RU" dirty="0" smtClean="0"/>
-              <a:t>скрипт для создания базы данных </a:t>
-            </a:r>
-            <a:r>
-              <a:rPr lang="en-US" dirty="0" smtClean="0"/>
-              <a:t>SQL.</a:t>
-            </a:r>
-            <a:endParaRPr lang="en-US" dirty="0"/>
-          </a:p>
-          <a:p>
-            <a:endParaRPr lang="ru-RU" dirty="0" smtClean="0"/>
-          </a:p>
-          <a:p>
-            <a:endParaRPr lang="ru-RU" dirty="0"/>
-          </a:p>
-        </p:txBody>
-      </p:sp>
+              <a:rPr lang="ru-RU" sz="2400" dirty="0" smtClean="0"/>
+              <a:t>  невыполненны</a:t>
+            </a:r>
+            <a:r>
+              <a:rPr lang="ru-RU" sz="2400" dirty="0"/>
+              <a:t>е</a:t>
+            </a:r>
+            <a:r>
+              <a:rPr lang="ru-RU" sz="2400" dirty="0" smtClean="0"/>
+              <a:t> заказы</a:t>
+            </a:r>
+            <a:endParaRPr lang="en-US" sz="2400" dirty="0"/>
+          </a:p>
+        </p:txBody>
+      </p:sp>
+      <p:sp>
+        <p:nvSpPr>
+          <p:cNvPr id="11" name="Содержимое 2"/>
+          <p:cNvSpPr txBox="1">
+            <a:spLocks/>
+          </p:cNvSpPr>
+          <p:nvPr/>
+        </p:nvSpPr>
+        <p:spPr>
+          <a:xfrm>
+            <a:off x="307628" y="1387004"/>
+            <a:ext cx="2952328" cy="1166428"/>
+          </a:xfrm>
+          <a:prstGeom prst="rect">
+            <a:avLst/>
+          </a:prstGeom>
+        </p:spPr>
+        <p:txBody>
+          <a:bodyPr vert="horz">
+            <a:noAutofit/>
+          </a:bodyPr>
+          <a:lstStyle>
+            <a:lvl1pPr marL="420624" indent="-384048" algn="l" rtl="0" eaLnBrk="1" latinLnBrk="0" hangingPunct="1">
+              <a:spcBef>
+                <a:spcPct val="20000"/>
+              </a:spcBef>
+              <a:buClr>
+                <a:schemeClr val="accent1"/>
+              </a:buClr>
+              <a:buSzPct val="80000"/>
+              <a:buFont typeface="Wingdings 2"/>
+              <a:buChar char=""/>
+              <a:defRPr kumimoji="0" sz="3000" kern="1200">
+                <a:solidFill>
+                  <a:schemeClr val="tx1"/>
+                </a:solidFill>
+                <a:latin typeface="+mn-lt"/>
+                <a:ea typeface="+mn-ea"/>
+                <a:cs typeface="+mn-cs"/>
+              </a:defRPr>
+            </a:lvl1pPr>
+            <a:lvl2pPr marL="722376" indent="-274320" algn="l" rtl="0" eaLnBrk="1" latinLnBrk="0" hangingPunct="1">
+              <a:spcBef>
+                <a:spcPct val="20000"/>
+              </a:spcBef>
+              <a:buClr>
+                <a:schemeClr val="accent1"/>
+              </a:buClr>
+              <a:buSzPct val="90000"/>
+              <a:buFont typeface="Wingdings 2"/>
+              <a:buChar char=""/>
+              <a:defRPr kumimoji="0" sz="2600" kern="1200">
+                <a:solidFill>
+                  <a:schemeClr val="tx1"/>
+                </a:solidFill>
+                <a:latin typeface="+mn-lt"/>
+                <a:ea typeface="+mn-ea"/>
+                <a:cs typeface="+mn-cs"/>
+              </a:defRPr>
+            </a:lvl2pPr>
+            <a:lvl3pPr marL="1005840" indent="-256032" algn="l" rtl="0" eaLnBrk="1" latinLnBrk="0" hangingPunct="1">
+              <a:spcBef>
+                <a:spcPct val="20000"/>
+              </a:spcBef>
+              <a:buClr>
+                <a:schemeClr val="accent2"/>
+              </a:buClr>
+              <a:buSzPct val="85000"/>
+              <a:buFont typeface="Arial"/>
+              <a:buChar char="○"/>
+              <a:defRPr kumimoji="0" sz="2400" kern="1200">
+                <a:solidFill>
+                  <a:schemeClr val="tx1"/>
+                </a:solidFill>
+                <a:latin typeface="+mn-lt"/>
+                <a:ea typeface="+mn-ea"/>
+                <a:cs typeface="+mn-cs"/>
+              </a:defRPr>
+            </a:lvl3pPr>
+            <a:lvl4pPr marL="1280160" indent="-237744" algn="l" rtl="0" eaLnBrk="1" latinLnBrk="0" hangingPunct="1">
+              <a:spcBef>
+                <a:spcPct val="20000"/>
+              </a:spcBef>
+              <a:buClr>
+                <a:schemeClr val="accent3"/>
+              </a:buClr>
+              <a:buSzPct val="90000"/>
+              <a:buFont typeface="Wingdings 2"/>
+              <a:buChar char=""/>
+              <a:defRPr kumimoji="0" sz="2000" kern="1200">
+                <a:solidFill>
+                  <a:schemeClr val="tx1"/>
+                </a:solidFill>
+                <a:latin typeface="+mn-lt"/>
+                <a:ea typeface="+mn-ea"/>
+                <a:cs typeface="+mn-cs"/>
+              </a:defRPr>
+            </a:lvl4pPr>
+            <a:lvl5pPr marL="1490472" indent="-182880" algn="l" rtl="0" eaLnBrk="1" latinLnBrk="0" hangingPunct="1">
+              <a:spcBef>
+                <a:spcPct val="20000"/>
+              </a:spcBef>
+              <a:buClr>
+                <a:schemeClr val="accent4"/>
+              </a:buClr>
+              <a:buSzPct val="100000"/>
+              <a:buFont typeface="Arial"/>
+              <a:buChar char="-"/>
+              <a:defRPr kumimoji="0" sz="2000" kern="1200">
+                <a:solidFill>
+                  <a:schemeClr val="tx1"/>
+                </a:solidFill>
+                <a:latin typeface="+mn-lt"/>
+                <a:ea typeface="+mn-ea"/>
+                <a:cs typeface="+mn-cs"/>
+              </a:defRPr>
+            </a:lvl5pPr>
+            <a:lvl6pPr marL="1700784" indent="-182880" algn="l" rtl="0" eaLnBrk="1" latinLnBrk="0" hangingPunct="1">
+              <a:spcBef>
+                <a:spcPct val="20000"/>
+              </a:spcBef>
+              <a:buClr>
+                <a:schemeClr val="accent5"/>
+              </a:buClr>
+              <a:buFont typeface="Arial"/>
+              <a:buChar char="-"/>
+              <a:defRPr kumimoji="0" sz="2000" kern="1200" baseline="0">
+                <a:solidFill>
+                  <a:schemeClr val="tx1"/>
+                </a:solidFill>
+                <a:latin typeface="+mn-lt"/>
+                <a:ea typeface="+mn-ea"/>
+                <a:cs typeface="+mn-cs"/>
+              </a:defRPr>
+            </a:lvl6pPr>
+            <a:lvl7pPr marL="1920240" indent="-182880" algn="l" rtl="0" eaLnBrk="1" latinLnBrk="0" hangingPunct="1">
+              <a:spcBef>
+                <a:spcPct val="20000"/>
+              </a:spcBef>
+              <a:buClr>
+                <a:schemeClr val="accent6"/>
+              </a:buClr>
+              <a:buSzPct val="100000"/>
+              <a:buFont typeface="Arial"/>
+              <a:buChar char="•"/>
+              <a:defRPr kumimoji="0" sz="1800" kern="1200" baseline="0">
+                <a:solidFill>
+                  <a:schemeClr val="tx1"/>
+                </a:solidFill>
+                <a:latin typeface="+mn-lt"/>
+                <a:ea typeface="+mn-ea"/>
+                <a:cs typeface="+mn-cs"/>
+              </a:defRPr>
+            </a:lvl7pPr>
+            <a:lvl8pPr marL="2139696" indent="-182880" algn="l" rtl="0" eaLnBrk="1" latinLnBrk="0" hangingPunct="1">
+              <a:spcBef>
+                <a:spcPct val="20000"/>
+              </a:spcBef>
+              <a:buClr>
+                <a:schemeClr val="accent6"/>
+              </a:buClr>
+              <a:buFont typeface="Arial"/>
+              <a:buChar char="▪"/>
+              <a:defRPr kumimoji="0" sz="1600" kern="1200">
+                <a:solidFill>
+                  <a:schemeClr val="tx1"/>
+                </a:solidFill>
+                <a:latin typeface="+mn-lt"/>
+                <a:ea typeface="+mn-ea"/>
+                <a:cs typeface="+mn-cs"/>
+              </a:defRPr>
+            </a:lvl8pPr>
+            <a:lvl9pPr marL="2331720" indent="-182880" algn="l" rtl="0" eaLnBrk="1" latinLnBrk="0" hangingPunct="1">
+              <a:spcBef>
+                <a:spcPct val="20000"/>
+              </a:spcBef>
+              <a:buClr>
+                <a:schemeClr val="accent6"/>
+              </a:buClr>
+              <a:buFont typeface="Arial"/>
+              <a:buChar char="•"/>
+              <a:defRPr kumimoji="0" sz="1600" kern="1200">
+                <a:solidFill>
+                  <a:schemeClr val="tx1"/>
+                </a:solidFill>
+                <a:latin typeface="+mn-lt"/>
+                <a:ea typeface="+mn-ea"/>
+                <a:cs typeface="+mn-cs"/>
+              </a:defRPr>
+            </a:lvl9pPr>
+          </a:lstStyle>
+          <a:p>
+            <a:pPr marL="36576" indent="0" algn="ctr">
+              <a:buFont typeface="Wingdings 2"/>
+              <a:buNone/>
+            </a:pPr>
+            <a:r>
+              <a:rPr lang="en-US" sz="2400" dirty="0" err="1" smtClean="0"/>
+              <a:t>index.php</a:t>
+            </a:r>
+            <a:endParaRPr lang="en-US" sz="2400" dirty="0" smtClean="0"/>
+          </a:p>
+          <a:p>
+            <a:pPr marL="36576" indent="0" algn="ctr">
+              <a:buNone/>
+            </a:pPr>
+            <a:r>
+              <a:rPr lang="ru-RU" sz="2400" dirty="0"/>
+              <a:t>оформление заказов</a:t>
+            </a:r>
+            <a:endParaRPr lang="en-US" sz="2400" dirty="0" smtClean="0"/>
+          </a:p>
+          <a:p>
+            <a:pPr marL="36576" indent="0" algn="ctr">
+              <a:buFont typeface="Wingdings 2"/>
+              <a:buNone/>
+            </a:pPr>
+            <a:endParaRPr lang="ru-RU" sz="2400" dirty="0"/>
+          </a:p>
+        </p:txBody>
+      </p:sp>
+      <p:cxnSp>
+        <p:nvCxnSpPr>
+          <p:cNvPr id="5" name="Прямая со стрелкой 4"/>
+          <p:cNvCxnSpPr>
+            <a:stCxn id="1026" idx="2"/>
+          </p:cNvCxnSpPr>
+          <p:nvPr/>
+        </p:nvCxnSpPr>
+        <p:spPr>
+          <a:xfrm flipH="1">
+            <a:off x="1665728" y="4248336"/>
+            <a:ext cx="118064" cy="548816"/>
+          </a:xfrm>
+          <a:prstGeom prst="straightConnector1">
+            <a:avLst/>
+          </a:prstGeom>
+          <a:ln w="57150">
+            <a:tailEnd type="arrow"/>
+          </a:ln>
+        </p:spPr>
+        <p:style>
+          <a:lnRef idx="1">
+            <a:schemeClr val="accent1"/>
+          </a:lnRef>
+          <a:fillRef idx="0">
+            <a:schemeClr val="accent1"/>
+          </a:fillRef>
+          <a:effectRef idx="0">
+            <a:schemeClr val="accent1"/>
+          </a:effectRef>
+          <a:fontRef idx="minor">
+            <a:schemeClr val="tx1"/>
+          </a:fontRef>
+        </p:style>
+      </p:cxnSp>
+      <p:cxnSp>
+        <p:nvCxnSpPr>
+          <p:cNvPr id="13" name="Прямая со стрелкой 12"/>
+          <p:cNvCxnSpPr>
+            <a:stCxn id="7" idx="2"/>
+          </p:cNvCxnSpPr>
+          <p:nvPr/>
+        </p:nvCxnSpPr>
+        <p:spPr>
+          <a:xfrm flipH="1">
+            <a:off x="2195736" y="4209616"/>
+            <a:ext cx="2196244" cy="659544"/>
+          </a:xfrm>
+          <a:prstGeom prst="straightConnector1">
+            <a:avLst/>
+          </a:prstGeom>
+          <a:ln w="57150">
+            <a:tailEnd type="arrow"/>
+          </a:ln>
+        </p:spPr>
+        <p:style>
+          <a:lnRef idx="1">
+            <a:schemeClr val="accent1"/>
+          </a:lnRef>
+          <a:fillRef idx="0">
+            <a:schemeClr val="accent1"/>
+          </a:fillRef>
+          <a:effectRef idx="0">
+            <a:schemeClr val="accent1"/>
+          </a:effectRef>
+          <a:fontRef idx="minor">
+            <a:schemeClr val="tx1"/>
+          </a:fontRef>
+        </p:style>
+      </p:cxnSp>
+      <p:cxnSp>
+        <p:nvCxnSpPr>
+          <p:cNvPr id="15" name="Прямая со стрелкой 14"/>
+          <p:cNvCxnSpPr>
+            <a:stCxn id="8" idx="2"/>
+          </p:cNvCxnSpPr>
+          <p:nvPr/>
+        </p:nvCxnSpPr>
+        <p:spPr>
+          <a:xfrm flipH="1">
+            <a:off x="2555776" y="4209616"/>
+            <a:ext cx="4772632" cy="875568"/>
+          </a:xfrm>
+          <a:prstGeom prst="straightConnector1">
+            <a:avLst/>
+          </a:prstGeom>
+          <a:ln w="57150">
+            <a:tailEnd type="arrow"/>
+          </a:ln>
+        </p:spPr>
+        <p:style>
+          <a:lnRef idx="1">
+            <a:schemeClr val="accent1"/>
+          </a:lnRef>
+          <a:fillRef idx="0">
+            <a:schemeClr val="accent1"/>
+          </a:fillRef>
+          <a:effectRef idx="0">
+            <a:schemeClr val="accent1"/>
+          </a:effectRef>
+          <a:fontRef idx="minor">
+            <a:schemeClr val="tx1"/>
+          </a:fontRef>
+        </p:style>
+      </p:cxnSp>
     </p:spTree>
+    <p:extLst>
+      <p:ext uri="{BB962C8B-B14F-4D97-AF65-F5344CB8AC3E}">
+        <p14:creationId xmlns:p14="http://schemas.microsoft.com/office/powerpoint/2010/main" val="3857931054"/>
+      </p:ext>
+    </p:extLst>
   </p:cSld>
   <p:clrMapOvr>
     <a:masterClrMapping/>
   </p:clrMapOvr>
-  <p:timing>
-    <p:tnLst>
-      <p:par>
-        <p:cTn id="1" dur="indefinite" restart="never" nodeType="tmRoot"/>
-      </p:par>
-    </p:tnLst>
-  </p:timing>
 </p:sld>
 </file>
 
@@ -5791,6 +6813,13 @@
   <p:clrMapOvr>
     <a:masterClrMapping/>
   </p:clrMapOvr>
+  <p:timing>
+    <p:tnLst>
+      <p:par>
+        <p:cTn id="1" dur="indefinite" restart="never" nodeType="tmRoot"/>
+      </p:par>
+    </p:tnLst>
+  </p:timing>
 </p:sld>
 </file>
 
